--- a/Adapter.pptx
+++ b/Adapter.pptx
@@ -4665,6 +4665,122 @@
           </a:extLst>
         </p:spPr>
       </p:pic>
+      <p:sp>
+        <p:nvSpPr>
+          <p:cNvPr id="4" name="Retângulo de cantos arredondados 3"/>
+          <p:cNvSpPr/>
+          <p:nvPr/>
+        </p:nvSpPr>
+        <p:spPr>
+          <a:xfrm>
+            <a:off x="2123728" y="3861048"/>
+            <a:ext cx="5832648" cy="648072"/>
+          </a:xfrm>
+          <a:prstGeom prst="roundRect">
+            <a:avLst/>
+          </a:prstGeom>
+          <a:noFill/>
+          <a:ln>
+            <a:solidFill>
+              <a:srgbClr val="FF0000"/>
+            </a:solidFill>
+          </a:ln>
+        </p:spPr>
+        <p:style>
+          <a:lnRef idx="2">
+            <a:schemeClr val="accent1">
+              <a:shade val="50000"/>
+            </a:schemeClr>
+          </a:lnRef>
+          <a:fillRef idx="1">
+            <a:schemeClr val="accent1"/>
+          </a:fillRef>
+          <a:effectRef idx="0">
+            <a:schemeClr val="accent1"/>
+          </a:effectRef>
+          <a:fontRef idx="minor">
+            <a:schemeClr val="lt1"/>
+          </a:fontRef>
+        </p:style>
+        <p:txBody>
+          <a:bodyPr rtlCol="0" anchor="ctr"/>
+          <a:lstStyle/>
+          <a:p>
+            <a:pPr algn="ctr"/>
+            <a:endParaRPr lang="pt-BR"/>
+          </a:p>
+        </p:txBody>
+      </p:sp>
+      <p:cxnSp>
+        <p:nvCxnSpPr>
+          <p:cNvPr id="6" name="Conector reto 5"/>
+          <p:cNvCxnSpPr/>
+          <p:nvPr/>
+        </p:nvCxnSpPr>
+        <p:spPr>
+          <a:xfrm>
+            <a:off x="2627784" y="4797152"/>
+            <a:ext cx="5040560" cy="0"/>
+          </a:xfrm>
+          <a:prstGeom prst="line">
+            <a:avLst/>
+          </a:prstGeom>
+          <a:ln>
+            <a:solidFill>
+              <a:srgbClr val="FF0000"/>
+            </a:solidFill>
+          </a:ln>
+        </p:spPr>
+        <p:style>
+          <a:lnRef idx="1">
+            <a:schemeClr val="accent1"/>
+          </a:lnRef>
+          <a:fillRef idx="0">
+            <a:schemeClr val="accent1"/>
+          </a:fillRef>
+          <a:effectRef idx="0">
+            <a:schemeClr val="accent1"/>
+          </a:effectRef>
+          <a:fontRef idx="minor">
+            <a:schemeClr val="tx1"/>
+          </a:fontRef>
+        </p:style>
+      </p:cxnSp>
+      <p:cxnSp>
+        <p:nvCxnSpPr>
+          <p:cNvPr id="8" name="Conector reto 7"/>
+          <p:cNvCxnSpPr/>
+          <p:nvPr/>
+        </p:nvCxnSpPr>
+        <p:spPr>
+          <a:xfrm>
+            <a:off x="2123728" y="3429000"/>
+            <a:ext cx="4248472" cy="0"/>
+          </a:xfrm>
+          <a:prstGeom prst="line">
+            <a:avLst/>
+          </a:prstGeom>
+          <a:ln>
+            <a:solidFill>
+              <a:srgbClr val="FF0000"/>
+            </a:solidFill>
+          </a:ln>
+        </p:spPr>
+        <p:style>
+          <a:lnRef idx="1">
+            <a:schemeClr val="accent1"/>
+          </a:lnRef>
+          <a:fillRef idx="0">
+            <a:schemeClr val="accent1"/>
+          </a:fillRef>
+          <a:effectRef idx="0">
+            <a:schemeClr val="accent1"/>
+          </a:effectRef>
+          <a:fontRef idx="minor">
+            <a:schemeClr val="tx1"/>
+          </a:fontRef>
+        </p:style>
+      </p:cxnSp>
     </p:spTree>
     <p:extLst>
       <p:ext uri="{BB962C8B-B14F-4D97-AF65-F5344CB8AC3E}">
@@ -5008,7 +5124,7 @@
         </p:blipFill>
         <p:spPr bwMode="auto">
           <a:xfrm>
-            <a:off x="395536" y="2492896"/>
+            <a:off x="471191" y="2780928"/>
             <a:ext cx="8381129" cy="3521145"/>
           </a:xfrm>
           <a:prstGeom prst="rect">
@@ -5039,6 +5155,79 @@
           </a:extLst>
         </p:spPr>
       </p:pic>
+      <p:sp>
+        <p:nvSpPr>
+          <p:cNvPr id="4" name="CaixaDeTexto 3"/>
+          <p:cNvSpPr txBox="1"/>
+          <p:nvPr/>
+        </p:nvSpPr>
+        <p:spPr>
+          <a:xfrm>
+            <a:off x="179512" y="1124744"/>
+            <a:ext cx="8712968" cy="1754326"/>
+          </a:xfrm>
+          <a:prstGeom prst="rect">
+            <a:avLst/>
+          </a:prstGeom>
+          <a:noFill/>
+        </p:spPr>
+        <p:txBody>
+          <a:bodyPr wrap="square" rtlCol="0">
+            <a:spAutoFit/>
+          </a:bodyPr>
+          <a:lstStyle/>
+          <a:p>
+            <a:pPr marL="285750" indent="-285750" algn="just">
+              <a:buFont typeface="Arial" panose="020B0604020202020204" pitchFamily="34" charset="0"/>
+              <a:buChar char="•"/>
+            </a:pPr>
+            <a:r>
+              <a:rPr lang="pt-BR" dirty="0" smtClean="0"/>
+              <a:t>Vai passar a</a:t>
+            </a:r>
+            <a:r>
+              <a:rPr lang="pt-BR" baseline="0" dirty="0" smtClean="0"/>
+              <a:t> responsabilidade de executar os métodos de conexão com o banco para construir e retornar os dados da requisição com o banco.</a:t>
+            </a:r>
+          </a:p>
+          <a:p>
+            <a:pPr marL="285750" indent="-285750" algn="just">
+              <a:buFont typeface="Arial" panose="020B0604020202020204" pitchFamily="34" charset="0"/>
+              <a:buChar char="•"/>
+            </a:pPr>
+            <a:r>
+              <a:rPr lang="pt-BR" baseline="0" dirty="0" err="1" smtClean="0"/>
+              <a:t>DaoPost</a:t>
+            </a:r>
+            <a:r>
+              <a:rPr lang="pt-BR" baseline="0" dirty="0" smtClean="0"/>
+              <a:t>() – Construtor do </a:t>
+            </a:r>
+            <a:r>
+              <a:rPr lang="pt-BR" baseline="0" dirty="0" err="1" smtClean="0"/>
+              <a:t>Dao</a:t>
+            </a:r>
+            <a:r>
+              <a:rPr lang="pt-BR" baseline="0" dirty="0" smtClean="0"/>
+              <a:t> para configurar os atributos dos métodos que vão ser herdados.</a:t>
+            </a:r>
+          </a:p>
+          <a:p>
+            <a:pPr marL="285750" indent="-285750" algn="just">
+              <a:buFont typeface="Arial" panose="020B0604020202020204" pitchFamily="34" charset="0"/>
+              <a:buChar char="•"/>
+            </a:pPr>
+            <a:r>
+              <a:rPr lang="pt-BR" baseline="0" dirty="0" smtClean="0"/>
+              <a:t>JSON – Forma dinâmica de estruturar os dados.</a:t>
+            </a:r>
+            <a:endParaRPr lang="pt-BR" dirty="0" smtClean="0"/>
+          </a:p>
+          <a:p>
+            <a:endParaRPr lang="pt-BR" dirty="0"/>
+          </a:p>
+        </p:txBody>
+      </p:sp>
     </p:spTree>
     <p:extLst>
       <p:ext uri="{BB962C8B-B14F-4D97-AF65-F5344CB8AC3E}">
@@ -5402,6 +5591,293 @@
           </a:p>
         </p:txBody>
       </p:sp>
+      <p:sp>
+        <p:nvSpPr>
+          <p:cNvPr id="7" name="Retângulo 6"/>
+          <p:cNvSpPr/>
+          <p:nvPr/>
+        </p:nvSpPr>
+        <p:spPr>
+          <a:xfrm>
+            <a:off x="5076056" y="2708920"/>
+            <a:ext cx="3923928" cy="1368152"/>
+          </a:xfrm>
+          <a:prstGeom prst="rect">
+            <a:avLst/>
+          </a:prstGeom>
+        </p:spPr>
+        <p:style>
+          <a:lnRef idx="2">
+            <a:schemeClr val="accent1">
+              <a:shade val="50000"/>
+            </a:schemeClr>
+          </a:lnRef>
+          <a:fillRef idx="1">
+            <a:schemeClr val="accent1"/>
+          </a:fillRef>
+          <a:effectRef idx="0">
+            <a:schemeClr val="accent1"/>
+          </a:effectRef>
+          <a:fontRef idx="minor">
+            <a:schemeClr val="lt1"/>
+          </a:fontRef>
+        </p:style>
+        <p:txBody>
+          <a:bodyPr rtlCol="0" anchor="ctr"/>
+          <a:lstStyle/>
+          <a:p>
+            <a:pPr algn="ctr"/>
+            <a:r>
+              <a:rPr lang="pt-BR" baseline="0" dirty="0" smtClean="0"/>
+              <a:t>Vai  fazer o papel da conexão , com isso não preciso ficar criando  a instancia do objeto conexão(Abrir e fechar)</a:t>
+            </a:r>
+            <a:endParaRPr lang="pt-BR" dirty="0"/>
+          </a:p>
+        </p:txBody>
+      </p:sp>
+      <p:sp>
+        <p:nvSpPr>
+          <p:cNvPr id="8" name="Retângulo 7"/>
+          <p:cNvSpPr/>
+          <p:nvPr/>
+        </p:nvSpPr>
+        <p:spPr>
+          <a:xfrm>
+            <a:off x="3609226" y="4149080"/>
+            <a:ext cx="5390758" cy="468052"/>
+          </a:xfrm>
+          <a:prstGeom prst="rect">
+            <a:avLst/>
+          </a:prstGeom>
+        </p:spPr>
+        <p:style>
+          <a:lnRef idx="2">
+            <a:schemeClr val="accent1">
+              <a:shade val="50000"/>
+            </a:schemeClr>
+          </a:lnRef>
+          <a:fillRef idx="1">
+            <a:schemeClr val="accent1"/>
+          </a:fillRef>
+          <a:effectRef idx="0">
+            <a:schemeClr val="accent1"/>
+          </a:effectRef>
+          <a:fontRef idx="minor">
+            <a:schemeClr val="lt1"/>
+          </a:fontRef>
+        </p:style>
+        <p:txBody>
+          <a:bodyPr rtlCol="0" anchor="ctr"/>
+          <a:lstStyle/>
+          <a:p>
+            <a:pPr algn="ctr"/>
+            <a:r>
+              <a:rPr lang="pt-BR" baseline="0" dirty="0" smtClean="0"/>
+              <a:t>Só  para ter acesso a instancia da classe utilitária </a:t>
+            </a:r>
+            <a:endParaRPr lang="pt-BR" dirty="0"/>
+          </a:p>
+        </p:txBody>
+      </p:sp>
+      <p:sp>
+        <p:nvSpPr>
+          <p:cNvPr id="9" name="Retângulo 8"/>
+          <p:cNvSpPr/>
+          <p:nvPr/>
+        </p:nvSpPr>
+        <p:spPr>
+          <a:xfrm>
+            <a:off x="4694406" y="5445224"/>
+            <a:ext cx="4320480" cy="408942"/>
+          </a:xfrm>
+          <a:prstGeom prst="rect">
+            <a:avLst/>
+          </a:prstGeom>
+        </p:spPr>
+        <p:style>
+          <a:lnRef idx="2">
+            <a:schemeClr val="accent1">
+              <a:shade val="50000"/>
+            </a:schemeClr>
+          </a:lnRef>
+          <a:fillRef idx="1">
+            <a:schemeClr val="accent1"/>
+          </a:fillRef>
+          <a:effectRef idx="0">
+            <a:schemeClr val="accent1"/>
+          </a:effectRef>
+          <a:fontRef idx="minor">
+            <a:schemeClr val="lt1"/>
+          </a:fontRef>
+        </p:style>
+        <p:txBody>
+          <a:bodyPr rtlCol="0" anchor="ctr"/>
+          <a:lstStyle/>
+          <a:p>
+            <a:r>
+              <a:rPr lang="pt-BR" baseline="0" dirty="0" smtClean="0"/>
+              <a:t>Papel de gerenciar a conexão também.</a:t>
+            </a:r>
+            <a:endParaRPr lang="pt-BR" baseline="0" dirty="0" smtClean="0"/>
+          </a:p>
+        </p:txBody>
+      </p:sp>
+      <p:cxnSp>
+        <p:nvCxnSpPr>
+          <p:cNvPr id="11" name="Conector em curva 10"/>
+          <p:cNvCxnSpPr/>
+          <p:nvPr/>
+        </p:nvCxnSpPr>
+        <p:spPr>
+          <a:xfrm flipV="1">
+            <a:off x="2555776" y="2852936"/>
+            <a:ext cx="2520280" cy="432048"/>
+          </a:xfrm>
+          <a:prstGeom prst="curvedConnector3">
+            <a:avLst/>
+          </a:prstGeom>
+          <a:ln>
+            <a:solidFill>
+              <a:srgbClr val="FFFF00"/>
+            </a:solidFill>
+            <a:tailEnd type="arrow"/>
+          </a:ln>
+        </p:spPr>
+        <p:style>
+          <a:lnRef idx="1">
+            <a:schemeClr val="accent1"/>
+          </a:lnRef>
+          <a:fillRef idx="0">
+            <a:schemeClr val="accent1"/>
+          </a:fillRef>
+          <a:effectRef idx="0">
+            <a:schemeClr val="accent1"/>
+          </a:effectRef>
+          <a:fontRef idx="minor">
+            <a:schemeClr val="tx1"/>
+          </a:fontRef>
+        </p:style>
+      </p:cxnSp>
+      <p:cxnSp>
+        <p:nvCxnSpPr>
+          <p:cNvPr id="13" name="Conector em curva 12"/>
+          <p:cNvCxnSpPr/>
+          <p:nvPr/>
+        </p:nvCxnSpPr>
+        <p:spPr>
+          <a:xfrm>
+            <a:off x="2159732" y="4437112"/>
+            <a:ext cx="1449494" cy="169168"/>
+          </a:xfrm>
+          <a:prstGeom prst="curvedConnector3">
+            <a:avLst>
+              <a:gd name="adj1" fmla="val 18976"/>
+            </a:avLst>
+          </a:prstGeom>
+          <a:ln>
+            <a:solidFill>
+              <a:srgbClr val="FFFF00"/>
+            </a:solidFill>
+            <a:tailEnd type="arrow"/>
+          </a:ln>
+        </p:spPr>
+        <p:style>
+          <a:lnRef idx="1">
+            <a:schemeClr val="accent1"/>
+          </a:lnRef>
+          <a:fillRef idx="0">
+            <a:schemeClr val="accent1"/>
+          </a:fillRef>
+          <a:effectRef idx="0">
+            <a:schemeClr val="accent1"/>
+          </a:effectRef>
+          <a:fontRef idx="minor">
+            <a:schemeClr val="tx1"/>
+          </a:fontRef>
+        </p:style>
+      </p:cxnSp>
+      <p:sp>
+        <p:nvSpPr>
+          <p:cNvPr id="20" name="Retângulo de cantos arredondados 19"/>
+          <p:cNvSpPr/>
+          <p:nvPr/>
+        </p:nvSpPr>
+        <p:spPr>
+          <a:xfrm>
+            <a:off x="1259632" y="5445224"/>
+            <a:ext cx="2736304" cy="216024"/>
+          </a:xfrm>
+          <a:prstGeom prst="roundRect">
+            <a:avLst/>
+          </a:prstGeom>
+          <a:noFill/>
+          <a:ln>
+            <a:solidFill>
+              <a:srgbClr val="FFFF00"/>
+            </a:solidFill>
+          </a:ln>
+        </p:spPr>
+        <p:style>
+          <a:lnRef idx="2">
+            <a:schemeClr val="accent6"/>
+          </a:lnRef>
+          <a:fillRef idx="1">
+            <a:schemeClr val="lt1"/>
+          </a:fillRef>
+          <a:effectRef idx="0">
+            <a:schemeClr val="accent6"/>
+          </a:effectRef>
+          <a:fontRef idx="minor">
+            <a:schemeClr val="dk1"/>
+          </a:fontRef>
+        </p:style>
+        <p:txBody>
+          <a:bodyPr rtlCol="0" anchor="ctr"/>
+          <a:lstStyle/>
+          <a:p>
+            <a:pPr algn="ctr"/>
+            <a:endParaRPr lang="pt-BR"/>
+          </a:p>
+        </p:txBody>
+      </p:sp>
+      <p:cxnSp>
+        <p:nvCxnSpPr>
+          <p:cNvPr id="22" name="Conector em curva 21"/>
+          <p:cNvCxnSpPr>
+            <a:endCxn id="9" idx="1"/>
+          </p:cNvCxnSpPr>
+          <p:nvPr/>
+        </p:nvCxnSpPr>
+        <p:spPr>
+          <a:xfrm>
+            <a:off x="4118342" y="5530131"/>
+            <a:ext cx="576064" cy="119564"/>
+          </a:xfrm>
+          <a:prstGeom prst="curvedConnector3">
+            <a:avLst/>
+          </a:prstGeom>
+          <a:ln>
+            <a:solidFill>
+              <a:srgbClr val="FFFF00"/>
+            </a:solidFill>
+            <a:tailEnd type="arrow"/>
+          </a:ln>
+        </p:spPr>
+        <p:style>
+          <a:lnRef idx="1">
+            <a:schemeClr val="accent1"/>
+          </a:lnRef>
+          <a:fillRef idx="0">
+            <a:schemeClr val="accent1"/>
+          </a:fillRef>
+          <a:effectRef idx="0">
+            <a:schemeClr val="accent1"/>
+          </a:effectRef>
+          <a:fontRef idx="minor">
+            <a:schemeClr val="tx1"/>
+          </a:fontRef>
+        </p:style>
+      </p:cxnSp>
     </p:spTree>
     <p:extLst>
       <p:ext uri="{BB962C8B-B14F-4D97-AF65-F5344CB8AC3E}">
@@ -5689,7 +6165,7 @@
         <p:spPr bwMode="auto">
           <a:xfrm>
             <a:off x="0" y="1340768"/>
-            <a:ext cx="8982048" cy="4752528"/>
+            <a:ext cx="9144000" cy="4752528"/>
           </a:xfrm>
           <a:prstGeom prst="rect">
             <a:avLst/>
@@ -5719,6 +6195,53 @@
           </a:extLst>
         </p:spPr>
       </p:pic>
+      <p:sp>
+        <p:nvSpPr>
+          <p:cNvPr id="5" name="Retângulo 4"/>
+          <p:cNvSpPr/>
+          <p:nvPr/>
+        </p:nvSpPr>
+        <p:spPr>
+          <a:xfrm>
+            <a:off x="4491024" y="5085184"/>
+            <a:ext cx="3969408" cy="576064"/>
+          </a:xfrm>
+          <a:prstGeom prst="rect">
+            <a:avLst/>
+          </a:prstGeom>
+        </p:spPr>
+        <p:style>
+          <a:lnRef idx="2">
+            <a:schemeClr val="accent1">
+              <a:shade val="50000"/>
+            </a:schemeClr>
+          </a:lnRef>
+          <a:fillRef idx="1">
+            <a:schemeClr val="accent1"/>
+          </a:fillRef>
+          <a:effectRef idx="0">
+            <a:schemeClr val="accent1"/>
+          </a:effectRef>
+          <a:fontRef idx="minor">
+            <a:schemeClr val="lt1"/>
+          </a:fontRef>
+        </p:style>
+        <p:txBody>
+          <a:bodyPr rtlCol="0" anchor="ctr"/>
+          <a:lstStyle/>
+          <a:p>
+            <a:r>
+              <a:rPr lang="pt-BR" dirty="0" smtClean="0"/>
+              <a:t>São os métodos</a:t>
+            </a:r>
+            <a:r>
+              <a:rPr lang="pt-BR" baseline="0" dirty="0" smtClean="0"/>
+              <a:t> de construção do SQL  </a:t>
+            </a:r>
+            <a:endParaRPr lang="pt-BR" dirty="0"/>
+          </a:p>
+        </p:txBody>
+      </p:sp>
     </p:spTree>
     <p:extLst>
       <p:ext uri="{BB962C8B-B14F-4D97-AF65-F5344CB8AC3E}">
